--- a/15finance/pics/02 Credit Cards answers.pptx
+++ b/15finance/pics/02 Credit Cards answers.pptx
@@ -8,7 +8,7 @@
     <p:notesMasterId r:id="rId4"/>
   </p:notesMasterIdLst>
   <p:sldIdLst>
-    <p:sldId id="259" r:id="rId2"/>
+    <p:sldId id="275" r:id="rId2"/>
     <p:sldId id="274" r:id="rId3"/>
   </p:sldIdLst>
   <p:sldSz cx="9144000" cy="6858000" type="screen4x3"/>
@@ -194,7 +194,7 @@
             <a:fld id="{01F3B2B3-38C5-4CBC-9C35-0FEB655F0CFE}" type="datetimeFigureOut">
               <a:rPr lang="en-GB" smtClean="0"/>
               <a:pPr/>
-              <a:t>21/11/2016</a:t>
+              <a:t>22/11/2016</a:t>
             </a:fld>
             <a:endParaRPr lang="en-GB"/>
           </a:p>
@@ -365,7 +365,7 @@
     </p:spTree>
     <p:extLst>
       <p:ext uri="{BB962C8B-B14F-4D97-AF65-F5344CB8AC3E}">
-        <p14:creationId xmlns:p14="http://schemas.microsoft.com/office/powerpoint/2010/main" val="1055339292"/>
+        <p14:creationId xmlns:p14="http://schemas.microsoft.com/office/powerpoint/2010/main" xmlns="" val="1055339292"/>
       </p:ext>
     </p:extLst>
   </p:cSld>
@@ -647,7 +647,7 @@
             <a:fld id="{245E5DCC-A267-489E-8C4B-0C8A611A1888}" type="datetimeFigureOut">
               <a:rPr lang="en-GB" smtClean="0"/>
               <a:pPr/>
-              <a:t>21/11/2016</a:t>
+              <a:t>22/11/2016</a:t>
             </a:fld>
             <a:endParaRPr lang="en-GB"/>
           </a:p>
@@ -699,7 +699,7 @@
     </p:spTree>
     <p:extLst>
       <p:ext uri="{BB962C8B-B14F-4D97-AF65-F5344CB8AC3E}">
-        <p14:creationId xmlns:p14="http://schemas.microsoft.com/office/powerpoint/2010/main" val="3795135744"/>
+        <p14:creationId xmlns:p14="http://schemas.microsoft.com/office/powerpoint/2010/main" xmlns="" val="3795135744"/>
       </p:ext>
     </p:extLst>
   </p:cSld>
@@ -819,7 +819,7 @@
             <a:fld id="{245E5DCC-A267-489E-8C4B-0C8A611A1888}" type="datetimeFigureOut">
               <a:rPr lang="en-GB" smtClean="0"/>
               <a:pPr/>
-              <a:t>21/11/2016</a:t>
+              <a:t>22/11/2016</a:t>
             </a:fld>
             <a:endParaRPr lang="en-GB"/>
           </a:p>
@@ -871,7 +871,7 @@
     </p:spTree>
     <p:extLst>
       <p:ext uri="{BB962C8B-B14F-4D97-AF65-F5344CB8AC3E}">
-        <p14:creationId xmlns:p14="http://schemas.microsoft.com/office/powerpoint/2010/main" val="1650520662"/>
+        <p14:creationId xmlns:p14="http://schemas.microsoft.com/office/powerpoint/2010/main" xmlns="" val="1650520662"/>
       </p:ext>
     </p:extLst>
   </p:cSld>
@@ -1001,7 +1001,7 @@
             <a:fld id="{245E5DCC-A267-489E-8C4B-0C8A611A1888}" type="datetimeFigureOut">
               <a:rPr lang="en-GB" smtClean="0"/>
               <a:pPr/>
-              <a:t>21/11/2016</a:t>
+              <a:t>22/11/2016</a:t>
             </a:fld>
             <a:endParaRPr lang="en-GB"/>
           </a:p>
@@ -1053,7 +1053,7 @@
     </p:spTree>
     <p:extLst>
       <p:ext uri="{BB962C8B-B14F-4D97-AF65-F5344CB8AC3E}">
-        <p14:creationId xmlns:p14="http://schemas.microsoft.com/office/powerpoint/2010/main" val="4271198208"/>
+        <p14:creationId xmlns:p14="http://schemas.microsoft.com/office/powerpoint/2010/main" xmlns="" val="4271198208"/>
       </p:ext>
     </p:extLst>
   </p:cSld>
@@ -1173,7 +1173,7 @@
             <a:fld id="{245E5DCC-A267-489E-8C4B-0C8A611A1888}" type="datetimeFigureOut">
               <a:rPr lang="en-GB" smtClean="0"/>
               <a:pPr/>
-              <a:t>21/11/2016</a:t>
+              <a:t>22/11/2016</a:t>
             </a:fld>
             <a:endParaRPr lang="en-GB"/>
           </a:p>
@@ -1225,7 +1225,7 @@
     </p:spTree>
     <p:extLst>
       <p:ext uri="{BB962C8B-B14F-4D97-AF65-F5344CB8AC3E}">
-        <p14:creationId xmlns:p14="http://schemas.microsoft.com/office/powerpoint/2010/main" val="3395567130"/>
+        <p14:creationId xmlns:p14="http://schemas.microsoft.com/office/powerpoint/2010/main" xmlns="" val="3395567130"/>
       </p:ext>
     </p:extLst>
   </p:cSld>
@@ -1421,7 +1421,7 @@
             <a:fld id="{245E5DCC-A267-489E-8C4B-0C8A611A1888}" type="datetimeFigureOut">
               <a:rPr lang="en-GB" smtClean="0"/>
               <a:pPr/>
-              <a:t>21/11/2016</a:t>
+              <a:t>22/11/2016</a:t>
             </a:fld>
             <a:endParaRPr lang="en-GB"/>
           </a:p>
@@ -1473,7 +1473,7 @@
     </p:spTree>
     <p:extLst>
       <p:ext uri="{BB962C8B-B14F-4D97-AF65-F5344CB8AC3E}">
-        <p14:creationId xmlns:p14="http://schemas.microsoft.com/office/powerpoint/2010/main" val="741615603"/>
+        <p14:creationId xmlns:p14="http://schemas.microsoft.com/office/powerpoint/2010/main" xmlns="" val="741615603"/>
       </p:ext>
     </p:extLst>
   </p:cSld>
@@ -1711,7 +1711,7 @@
             <a:fld id="{245E5DCC-A267-489E-8C4B-0C8A611A1888}" type="datetimeFigureOut">
               <a:rPr lang="en-GB" smtClean="0"/>
               <a:pPr/>
-              <a:t>21/11/2016</a:t>
+              <a:t>22/11/2016</a:t>
             </a:fld>
             <a:endParaRPr lang="en-GB"/>
           </a:p>
@@ -1763,7 +1763,7 @@
     </p:spTree>
     <p:extLst>
       <p:ext uri="{BB962C8B-B14F-4D97-AF65-F5344CB8AC3E}">
-        <p14:creationId xmlns:p14="http://schemas.microsoft.com/office/powerpoint/2010/main" val="2595005895"/>
+        <p14:creationId xmlns:p14="http://schemas.microsoft.com/office/powerpoint/2010/main" xmlns="" val="2595005895"/>
       </p:ext>
     </p:extLst>
   </p:cSld>
@@ -2135,7 +2135,7 @@
             <a:fld id="{245E5DCC-A267-489E-8C4B-0C8A611A1888}" type="datetimeFigureOut">
               <a:rPr lang="en-GB" smtClean="0"/>
               <a:pPr/>
-              <a:t>21/11/2016</a:t>
+              <a:t>22/11/2016</a:t>
             </a:fld>
             <a:endParaRPr lang="en-GB"/>
           </a:p>
@@ -2187,7 +2187,7 @@
     </p:spTree>
     <p:extLst>
       <p:ext uri="{BB962C8B-B14F-4D97-AF65-F5344CB8AC3E}">
-        <p14:creationId xmlns:p14="http://schemas.microsoft.com/office/powerpoint/2010/main" val="2824062158"/>
+        <p14:creationId xmlns:p14="http://schemas.microsoft.com/office/powerpoint/2010/main" xmlns="" val="2824062158"/>
       </p:ext>
     </p:extLst>
   </p:cSld>
@@ -2255,7 +2255,7 @@
             <a:fld id="{245E5DCC-A267-489E-8C4B-0C8A611A1888}" type="datetimeFigureOut">
               <a:rPr lang="en-GB" smtClean="0"/>
               <a:pPr/>
-              <a:t>21/11/2016</a:t>
+              <a:t>22/11/2016</a:t>
             </a:fld>
             <a:endParaRPr lang="en-GB"/>
           </a:p>
@@ -2307,7 +2307,7 @@
     </p:spTree>
     <p:extLst>
       <p:ext uri="{BB962C8B-B14F-4D97-AF65-F5344CB8AC3E}">
-        <p14:creationId xmlns:p14="http://schemas.microsoft.com/office/powerpoint/2010/main" val="1093719169"/>
+        <p14:creationId xmlns:p14="http://schemas.microsoft.com/office/powerpoint/2010/main" xmlns="" val="1093719169"/>
       </p:ext>
     </p:extLst>
   </p:cSld>
@@ -2352,7 +2352,7 @@
             <a:fld id="{245E5DCC-A267-489E-8C4B-0C8A611A1888}" type="datetimeFigureOut">
               <a:rPr lang="en-GB" smtClean="0"/>
               <a:pPr/>
-              <a:t>21/11/2016</a:t>
+              <a:t>22/11/2016</a:t>
             </a:fld>
             <a:endParaRPr lang="en-GB"/>
           </a:p>
@@ -2404,7 +2404,7 @@
     </p:spTree>
     <p:extLst>
       <p:ext uri="{BB962C8B-B14F-4D97-AF65-F5344CB8AC3E}">
-        <p14:creationId xmlns:p14="http://schemas.microsoft.com/office/powerpoint/2010/main" val="3666968362"/>
+        <p14:creationId xmlns:p14="http://schemas.microsoft.com/office/powerpoint/2010/main" xmlns="" val="3666968362"/>
       </p:ext>
     </p:extLst>
   </p:cSld>
@@ -2631,7 +2631,7 @@
             <a:fld id="{245E5DCC-A267-489E-8C4B-0C8A611A1888}" type="datetimeFigureOut">
               <a:rPr lang="en-GB" smtClean="0"/>
               <a:pPr/>
-              <a:t>21/11/2016</a:t>
+              <a:t>22/11/2016</a:t>
             </a:fld>
             <a:endParaRPr lang="en-GB"/>
           </a:p>
@@ -2683,7 +2683,7 @@
     </p:spTree>
     <p:extLst>
       <p:ext uri="{BB962C8B-B14F-4D97-AF65-F5344CB8AC3E}">
-        <p14:creationId xmlns:p14="http://schemas.microsoft.com/office/powerpoint/2010/main" val="3793018940"/>
+        <p14:creationId xmlns:p14="http://schemas.microsoft.com/office/powerpoint/2010/main" xmlns="" val="3793018940"/>
       </p:ext>
     </p:extLst>
   </p:cSld>
@@ -2886,7 +2886,7 @@
             <a:fld id="{245E5DCC-A267-489E-8C4B-0C8A611A1888}" type="datetimeFigureOut">
               <a:rPr lang="en-GB" smtClean="0"/>
               <a:pPr/>
-              <a:t>21/11/2016</a:t>
+              <a:t>22/11/2016</a:t>
             </a:fld>
             <a:endParaRPr lang="en-GB"/>
           </a:p>
@@ -2938,7 +2938,7 @@
     </p:spTree>
     <p:extLst>
       <p:ext uri="{BB962C8B-B14F-4D97-AF65-F5344CB8AC3E}">
-        <p14:creationId xmlns:p14="http://schemas.microsoft.com/office/powerpoint/2010/main" val="1356301842"/>
+        <p14:creationId xmlns:p14="http://schemas.microsoft.com/office/powerpoint/2010/main" xmlns="" val="1356301842"/>
       </p:ext>
     </p:extLst>
   </p:cSld>
@@ -3101,7 +3101,7 @@
             <a:fld id="{245E5DCC-A267-489E-8C4B-0C8A611A1888}" type="datetimeFigureOut">
               <a:rPr lang="en-GB" smtClean="0"/>
               <a:pPr/>
-              <a:t>21/11/2016</a:t>
+              <a:t>22/11/2016</a:t>
             </a:fld>
             <a:endParaRPr lang="en-GB"/>
           </a:p>
@@ -3189,7 +3189,7 @@
     </p:spTree>
     <p:extLst>
       <p:ext uri="{BB962C8B-B14F-4D97-AF65-F5344CB8AC3E}">
-        <p14:creationId xmlns:p14="http://schemas.microsoft.com/office/powerpoint/2010/main" val="4272518248"/>
+        <p14:creationId xmlns:p14="http://schemas.microsoft.com/office/powerpoint/2010/main" xmlns="" val="4272518248"/>
       </p:ext>
     </p:extLst>
   </p:cSld>
@@ -3477,605 +3477,16 @@
           <a:chExt cx="0" cy="0"/>
         </a:xfrm>
       </p:grpSpPr>
-      <p:cxnSp>
-        <p:nvCxnSpPr>
-          <p:cNvPr id="3" name="Straight Connector 2"/>
-          <p:cNvCxnSpPr/>
-          <p:nvPr/>
-        </p:nvCxnSpPr>
-        <p:spPr>
-          <a:xfrm>
-            <a:off x="3131840" y="0"/>
-            <a:ext cx="0" cy="4293096"/>
-          </a:xfrm>
-          <a:prstGeom prst="line">
-            <a:avLst/>
-          </a:prstGeom>
-          <a:ln w="63500">
-            <a:solidFill>
-              <a:schemeClr val="tx1"/>
-            </a:solidFill>
-          </a:ln>
-        </p:spPr>
-        <p:style>
-          <a:lnRef idx="1">
-            <a:schemeClr val="accent1"/>
-          </a:lnRef>
-          <a:fillRef idx="0">
-            <a:schemeClr val="accent1"/>
-          </a:fillRef>
-          <a:effectRef idx="0">
-            <a:schemeClr val="accent1"/>
-          </a:effectRef>
-          <a:fontRef idx="minor">
-            <a:schemeClr val="tx1"/>
-          </a:fontRef>
-        </p:style>
-      </p:cxnSp>
-      <p:cxnSp>
-        <p:nvCxnSpPr>
-          <p:cNvPr id="5" name="Straight Connector 4"/>
-          <p:cNvCxnSpPr/>
-          <p:nvPr/>
-        </p:nvCxnSpPr>
-        <p:spPr>
-          <a:xfrm>
-            <a:off x="6156176" y="0"/>
-            <a:ext cx="0" cy="4293096"/>
-          </a:xfrm>
-          <a:prstGeom prst="line">
-            <a:avLst/>
-          </a:prstGeom>
-          <a:ln w="63500">
-            <a:solidFill>
-              <a:schemeClr val="tx1"/>
-            </a:solidFill>
-          </a:ln>
-        </p:spPr>
-        <p:style>
-          <a:lnRef idx="1">
-            <a:schemeClr val="accent1"/>
-          </a:lnRef>
-          <a:fillRef idx="0">
-            <a:schemeClr val="accent1"/>
-          </a:fillRef>
-          <a:effectRef idx="0">
-            <a:schemeClr val="accent1"/>
-          </a:effectRef>
-          <a:fontRef idx="minor">
-            <a:schemeClr val="tx1"/>
-          </a:fontRef>
-        </p:style>
-      </p:cxnSp>
-      <p:sp>
-        <p:nvSpPr>
-          <p:cNvPr id="6" name="TextBox 5"/>
-          <p:cNvSpPr txBox="1"/>
-          <p:nvPr/>
-        </p:nvSpPr>
-        <p:spPr>
-          <a:xfrm>
-            <a:off x="0" y="207496"/>
-            <a:ext cx="3131840" cy="400110"/>
-          </a:xfrm>
-          <a:prstGeom prst="rect">
-            <a:avLst/>
-          </a:prstGeom>
-          <a:noFill/>
-        </p:spPr>
-        <p:txBody>
-          <a:bodyPr wrap="square" rtlCol="0">
-            <a:spAutoFit/>
-          </a:bodyPr>
-          <a:lstStyle/>
-          <a:p>
-            <a:pPr algn="ctr"/>
-            <a:r>
-              <a:rPr lang="en-GB" sz="2000" b="1" u="sng" dirty="0" smtClean="0">
-                <a:solidFill>
-                  <a:srgbClr val="FF0000"/>
-                </a:solidFill>
-                <a:latin typeface="Comic Sans MS" panose="030F0702030302020204" pitchFamily="66" charset="0"/>
-              </a:rPr>
-              <a:t>Card 1 </a:t>
-            </a:r>
-            <a:endParaRPr lang="en-GB" sz="2000" b="1" u="sng" dirty="0">
-              <a:solidFill>
-                <a:srgbClr val="FF0000"/>
-              </a:solidFill>
-              <a:latin typeface="Comic Sans MS" panose="030F0702030302020204" pitchFamily="66" charset="0"/>
-            </a:endParaRPr>
-          </a:p>
-        </p:txBody>
-      </p:sp>
-      <p:sp>
-        <p:nvSpPr>
-          <p:cNvPr id="7" name="TextBox 6"/>
-          <p:cNvSpPr txBox="1"/>
-          <p:nvPr/>
-        </p:nvSpPr>
-        <p:spPr>
-          <a:xfrm>
-            <a:off x="3131840" y="225907"/>
-            <a:ext cx="3024336" cy="400110"/>
-          </a:xfrm>
-          <a:prstGeom prst="rect">
-            <a:avLst/>
-          </a:prstGeom>
-          <a:noFill/>
-        </p:spPr>
-        <p:txBody>
-          <a:bodyPr wrap="square" rtlCol="0">
-            <a:spAutoFit/>
-          </a:bodyPr>
-          <a:lstStyle/>
-          <a:p>
-            <a:pPr algn="ctr"/>
-            <a:r>
-              <a:rPr lang="en-GB" sz="2000" b="1" u="sng" dirty="0" smtClean="0">
-                <a:solidFill>
-                  <a:srgbClr val="FF0000"/>
-                </a:solidFill>
-                <a:latin typeface="Comic Sans MS" panose="030F0702030302020204" pitchFamily="66" charset="0"/>
-              </a:rPr>
-              <a:t>Card 2 </a:t>
-            </a:r>
-            <a:endParaRPr lang="en-GB" sz="2000" b="1" u="sng" dirty="0">
-              <a:solidFill>
-                <a:srgbClr val="FF0000"/>
-              </a:solidFill>
-              <a:latin typeface="Comic Sans MS" panose="030F0702030302020204" pitchFamily="66" charset="0"/>
-            </a:endParaRPr>
-          </a:p>
-        </p:txBody>
-      </p:sp>
-      <p:sp>
-        <p:nvSpPr>
-          <p:cNvPr id="8" name="TextBox 7"/>
-          <p:cNvSpPr txBox="1"/>
-          <p:nvPr/>
-        </p:nvSpPr>
-        <p:spPr>
-          <a:xfrm>
-            <a:off x="6288004" y="244318"/>
-            <a:ext cx="2855996" cy="400110"/>
-          </a:xfrm>
-          <a:prstGeom prst="rect">
-            <a:avLst/>
-          </a:prstGeom>
-          <a:noFill/>
-        </p:spPr>
-        <p:txBody>
-          <a:bodyPr wrap="square" rtlCol="0">
-            <a:spAutoFit/>
-          </a:bodyPr>
-          <a:lstStyle/>
-          <a:p>
-            <a:pPr algn="ctr"/>
-            <a:r>
-              <a:rPr lang="en-GB" sz="2000" b="1" u="sng" dirty="0" smtClean="0">
-                <a:solidFill>
-                  <a:srgbClr val="FF0000"/>
-                </a:solidFill>
-                <a:latin typeface="Comic Sans MS" panose="030F0702030302020204" pitchFamily="66" charset="0"/>
-              </a:rPr>
-              <a:t>Card 3</a:t>
-            </a:r>
-            <a:endParaRPr lang="en-GB" sz="2000" b="1" u="sng" dirty="0">
-              <a:solidFill>
-                <a:srgbClr val="FF0000"/>
-              </a:solidFill>
-              <a:latin typeface="Comic Sans MS" panose="030F0702030302020204" pitchFamily="66" charset="0"/>
-            </a:endParaRPr>
-          </a:p>
-        </p:txBody>
-      </p:sp>
-      <p:sp>
-        <p:nvSpPr>
-          <p:cNvPr id="9" name="Rectangle 8"/>
-          <p:cNvSpPr/>
-          <p:nvPr/>
-        </p:nvSpPr>
-        <p:spPr>
-          <a:xfrm>
-            <a:off x="0" y="36822"/>
-            <a:ext cx="9144000" cy="4256274"/>
-          </a:xfrm>
-          <a:prstGeom prst="rect">
-            <a:avLst/>
-          </a:prstGeom>
-          <a:noFill/>
-          <a:ln w="50800">
-            <a:solidFill>
-              <a:schemeClr val="tx1"/>
-            </a:solidFill>
-          </a:ln>
-        </p:spPr>
-        <p:style>
-          <a:lnRef idx="2">
-            <a:schemeClr val="accent1">
-              <a:shade val="50000"/>
-            </a:schemeClr>
-          </a:lnRef>
-          <a:fillRef idx="1">
-            <a:schemeClr val="accent1"/>
-          </a:fillRef>
-          <a:effectRef idx="0">
-            <a:schemeClr val="accent1"/>
-          </a:effectRef>
-          <a:fontRef idx="minor">
-            <a:schemeClr val="lt1"/>
-          </a:fontRef>
-        </p:style>
-        <p:txBody>
-          <a:bodyPr rtlCol="0" anchor="ctr"/>
-          <a:lstStyle/>
-          <a:p>
-            <a:pPr algn="ctr"/>
-            <a:endParaRPr lang="en-GB"/>
-          </a:p>
-        </p:txBody>
-      </p:sp>
-      <p:sp>
-        <p:nvSpPr>
-          <p:cNvPr id="12" name="TextBox 11"/>
-          <p:cNvSpPr txBox="1"/>
-          <p:nvPr/>
-        </p:nvSpPr>
-        <p:spPr>
-          <a:xfrm>
-            <a:off x="0" y="764704"/>
-            <a:ext cx="2843808" cy="2308324"/>
-          </a:xfrm>
-          <a:prstGeom prst="rect">
-            <a:avLst/>
-          </a:prstGeom>
-          <a:noFill/>
-        </p:spPr>
-        <p:txBody>
-          <a:bodyPr wrap="square" rtlCol="0">
-            <a:spAutoFit/>
-          </a:bodyPr>
-          <a:lstStyle/>
-          <a:p>
-            <a:pPr lvl="1" algn="ctr"/>
-            <a:r>
-              <a:rPr lang="en-GB" b="1" i="1" u="sng" dirty="0" smtClean="0">
-                <a:effectLst/>
-                <a:latin typeface="Comic Sans MS" panose="030F0702030302020204" pitchFamily="66" charset="0"/>
-              </a:rPr>
-              <a:t>Barclaycard </a:t>
-            </a:r>
-          </a:p>
-          <a:p>
-            <a:pPr lvl="1" algn="ctr"/>
-            <a:r>
-              <a:rPr lang="en-GB" b="1" i="1" u="sng" dirty="0" smtClean="0">
-                <a:effectLst/>
-                <a:latin typeface="Comic Sans MS" panose="030F0702030302020204" pitchFamily="66" charset="0"/>
-              </a:rPr>
-              <a:t>Platinum Credit Card </a:t>
-            </a:r>
-          </a:p>
-          <a:p>
-            <a:pPr lvl="1"/>
-            <a:endParaRPr lang="en-GB" b="1" i="1" dirty="0" smtClean="0">
-              <a:solidFill>
-                <a:srgbClr val="FF0000"/>
-              </a:solidFill>
-              <a:latin typeface="Comic Sans MS" panose="030F0702030302020204" pitchFamily="66" charset="0"/>
-            </a:endParaRPr>
-          </a:p>
-          <a:p>
-            <a:r>
-              <a:rPr lang="en-GB" b="1" i="1" dirty="0" smtClean="0">
-                <a:solidFill>
-                  <a:srgbClr val="FF0000"/>
-                </a:solidFill>
-                <a:latin typeface="Comic Sans MS" panose="030F0702030302020204" pitchFamily="66" charset="0"/>
-              </a:rPr>
-              <a:t>APR:  </a:t>
-            </a:r>
-            <a:r>
-              <a:rPr lang="en-GB" b="1" i="1" dirty="0" smtClean="0">
-                <a:latin typeface="Comic Sans MS" panose="030F0702030302020204" pitchFamily="66" charset="0"/>
-              </a:rPr>
-              <a:t>18.9%</a:t>
-            </a:r>
-            <a:endParaRPr lang="en-GB" b="1" i="1" dirty="0" smtClean="0">
-              <a:solidFill>
-                <a:srgbClr val="FF0000"/>
-              </a:solidFill>
-              <a:latin typeface="Comic Sans MS" panose="030F0702030302020204" pitchFamily="66" charset="0"/>
-            </a:endParaRPr>
-          </a:p>
-          <a:p>
-            <a:r>
-              <a:rPr lang="en-GB" b="1" i="1" dirty="0" smtClean="0">
-                <a:solidFill>
-                  <a:srgbClr val="FF0000"/>
-                </a:solidFill>
-                <a:latin typeface="Comic Sans MS" panose="030F0702030302020204" pitchFamily="66" charset="0"/>
-              </a:rPr>
-              <a:t> </a:t>
-            </a:r>
-          </a:p>
-          <a:p>
-            <a:r>
-              <a:rPr lang="en-GB" b="1" i="1" dirty="0" smtClean="0">
-                <a:solidFill>
-                  <a:srgbClr val="FF0000"/>
-                </a:solidFill>
-                <a:latin typeface="Comic Sans MS" panose="030F0702030302020204" pitchFamily="66" charset="0"/>
-              </a:rPr>
-              <a:t>Limit: </a:t>
-            </a:r>
-            <a:r>
-              <a:rPr lang="en-GB" b="1" i="1" dirty="0" smtClean="0">
-                <a:latin typeface="Comic Sans MS" panose="030F0702030302020204" pitchFamily="66" charset="0"/>
-              </a:rPr>
-              <a:t>£1,200 </a:t>
-            </a:r>
-            <a:endParaRPr lang="en-GB" b="1" i="1" dirty="0" smtClean="0">
-              <a:solidFill>
-                <a:srgbClr val="FF0000"/>
-              </a:solidFill>
-              <a:latin typeface="Comic Sans MS" panose="030F0702030302020204" pitchFamily="66" charset="0"/>
-            </a:endParaRPr>
-          </a:p>
-          <a:p>
-            <a:r>
-              <a:rPr lang="en-GB" dirty="0" smtClean="0"/>
-              <a:t> </a:t>
-            </a:r>
-            <a:endParaRPr lang="en-GB" dirty="0"/>
-          </a:p>
-        </p:txBody>
-      </p:sp>
-      <p:sp>
-        <p:nvSpPr>
-          <p:cNvPr id="13" name="Rectangle 12"/>
-          <p:cNvSpPr/>
-          <p:nvPr/>
-        </p:nvSpPr>
-        <p:spPr>
-          <a:xfrm>
-            <a:off x="3144002" y="764704"/>
-            <a:ext cx="2724142" cy="2031325"/>
-          </a:xfrm>
-          <a:prstGeom prst="rect">
-            <a:avLst/>
-          </a:prstGeom>
-        </p:spPr>
-        <p:txBody>
-          <a:bodyPr wrap="square">
-            <a:spAutoFit/>
-          </a:bodyPr>
-          <a:lstStyle/>
-          <a:p>
-            <a:pPr lvl="1" algn="ctr"/>
-            <a:r>
-              <a:rPr lang="en-GB" b="1" i="1" u="sng" dirty="0" smtClean="0">
-                <a:effectLst/>
-                <a:latin typeface="Comic Sans MS" panose="030F0702030302020204" pitchFamily="66" charset="0"/>
-              </a:rPr>
-              <a:t>Capital One </a:t>
-            </a:r>
-          </a:p>
-          <a:p>
-            <a:pPr lvl="1" algn="ctr"/>
-            <a:r>
-              <a:rPr lang="en-GB" b="1" i="1" u="sng" dirty="0" smtClean="0">
-                <a:effectLst/>
-                <a:latin typeface="Comic Sans MS" panose="030F0702030302020204" pitchFamily="66" charset="0"/>
-              </a:rPr>
-              <a:t>Classic Platinum</a:t>
-            </a:r>
-          </a:p>
-          <a:p>
-            <a:endParaRPr lang="en-GB" b="1" i="1" dirty="0" smtClean="0">
-              <a:solidFill>
-                <a:srgbClr val="FF0000"/>
-              </a:solidFill>
-              <a:latin typeface="Comic Sans MS" panose="030F0702030302020204" pitchFamily="66" charset="0"/>
-            </a:endParaRPr>
-          </a:p>
-          <a:p>
-            <a:endParaRPr lang="en-GB" b="1" i="1" dirty="0" smtClean="0">
-              <a:solidFill>
-                <a:srgbClr val="FF0000"/>
-              </a:solidFill>
-              <a:latin typeface="Comic Sans MS" panose="030F0702030302020204" pitchFamily="66" charset="0"/>
-            </a:endParaRPr>
-          </a:p>
-          <a:p>
-            <a:r>
-              <a:rPr lang="en-GB" b="1" i="1" dirty="0" smtClean="0">
-                <a:solidFill>
-                  <a:srgbClr val="FF0000"/>
-                </a:solidFill>
-                <a:latin typeface="Comic Sans MS" panose="030F0702030302020204" pitchFamily="66" charset="0"/>
-              </a:rPr>
-              <a:t>APR:   </a:t>
-            </a:r>
-            <a:r>
-              <a:rPr lang="en-GB" b="1" dirty="0" smtClean="0">
-                <a:effectLst/>
-                <a:latin typeface="Comic Sans MS" panose="030F0702030302020204" pitchFamily="66" charset="0"/>
-              </a:rPr>
-              <a:t>29.8%</a:t>
-            </a:r>
-            <a:endParaRPr lang="en-GB" b="1" i="1" dirty="0" smtClean="0">
-              <a:solidFill>
-                <a:srgbClr val="FF0000"/>
-              </a:solidFill>
-              <a:latin typeface="Comic Sans MS" panose="030F0702030302020204" pitchFamily="66" charset="0"/>
-            </a:endParaRPr>
-          </a:p>
-          <a:p>
-            <a:r>
-              <a:rPr lang="en-GB" b="1" i="1" dirty="0" smtClean="0">
-                <a:solidFill>
-                  <a:srgbClr val="FF0000"/>
-                </a:solidFill>
-                <a:latin typeface="Comic Sans MS" panose="030F0702030302020204" pitchFamily="66" charset="0"/>
-              </a:rPr>
-              <a:t> </a:t>
-            </a:r>
-          </a:p>
-          <a:p>
-            <a:r>
-              <a:rPr lang="en-GB" b="1" i="1" dirty="0" smtClean="0">
-                <a:solidFill>
-                  <a:srgbClr val="FF0000"/>
-                </a:solidFill>
-                <a:latin typeface="Comic Sans MS" panose="030F0702030302020204" pitchFamily="66" charset="0"/>
-              </a:rPr>
-              <a:t>Limit: </a:t>
-            </a:r>
-            <a:r>
-              <a:rPr lang="en-GB" b="1" i="1" dirty="0" smtClean="0">
-                <a:latin typeface="Comic Sans MS" panose="030F0702030302020204" pitchFamily="66" charset="0"/>
-              </a:rPr>
-              <a:t>£1,500</a:t>
-            </a:r>
-          </a:p>
-        </p:txBody>
-      </p:sp>
-      <p:sp>
-        <p:nvSpPr>
-          <p:cNvPr id="14" name="Rectangle 13"/>
-          <p:cNvSpPr/>
-          <p:nvPr/>
-        </p:nvSpPr>
-        <p:spPr>
-          <a:xfrm>
-            <a:off x="6156176" y="764704"/>
-            <a:ext cx="2808312" cy="2031325"/>
-          </a:xfrm>
-          <a:prstGeom prst="rect">
-            <a:avLst/>
-          </a:prstGeom>
-        </p:spPr>
-        <p:txBody>
-          <a:bodyPr wrap="square">
-            <a:spAutoFit/>
-          </a:bodyPr>
-          <a:lstStyle/>
-          <a:p>
-            <a:pPr algn="ctr"/>
-            <a:r>
-              <a:rPr lang="en-GB" b="1" i="1" u="sng" dirty="0" err="1" smtClean="0">
-                <a:effectLst/>
-                <a:latin typeface="Comic Sans MS" panose="030F0702030302020204" pitchFamily="66" charset="0"/>
-              </a:rPr>
-              <a:t>Vanquis</a:t>
-            </a:r>
-            <a:r>
-              <a:rPr lang="en-GB" b="1" i="1" u="sng" dirty="0" smtClean="0">
-                <a:effectLst/>
-                <a:latin typeface="Comic Sans MS" panose="030F0702030302020204" pitchFamily="66" charset="0"/>
-              </a:rPr>
-              <a:t> Visa Credit Card </a:t>
-            </a:r>
-            <a:r>
-              <a:rPr lang="en-GB" b="1" i="1" u="sng" dirty="0" smtClean="0">
-                <a:latin typeface="Comic Sans MS" panose="030F0702030302020204" pitchFamily="66" charset="0"/>
-              </a:rPr>
-              <a:t/>
-            </a:r>
-            <a:br>
-              <a:rPr lang="en-GB" b="1" i="1" u="sng" dirty="0" smtClean="0">
-                <a:latin typeface="Comic Sans MS" panose="030F0702030302020204" pitchFamily="66" charset="0"/>
-              </a:rPr>
-            </a:br>
-            <a:r>
-              <a:rPr lang="en-GB" b="1" i="1" u="sng" dirty="0" smtClean="0">
-                <a:latin typeface="Comic Sans MS" panose="030F0702030302020204" pitchFamily="66" charset="0"/>
-              </a:rPr>
-              <a:t/>
-            </a:r>
-            <a:br>
-              <a:rPr lang="en-GB" b="1" i="1" u="sng" dirty="0" smtClean="0">
-                <a:latin typeface="Comic Sans MS" panose="030F0702030302020204" pitchFamily="66" charset="0"/>
-              </a:rPr>
-            </a:br>
-            <a:endParaRPr lang="en-GB" b="1" i="1" u="sng" dirty="0" smtClean="0">
-              <a:solidFill>
-                <a:srgbClr val="FF0000"/>
-              </a:solidFill>
-              <a:latin typeface="Comic Sans MS" panose="030F0702030302020204" pitchFamily="66" charset="0"/>
-            </a:endParaRPr>
-          </a:p>
-          <a:p>
-            <a:r>
-              <a:rPr lang="en-GB" b="1" i="1" dirty="0" smtClean="0">
-                <a:solidFill>
-                  <a:srgbClr val="FF0000"/>
-                </a:solidFill>
-                <a:latin typeface="Comic Sans MS" panose="030F0702030302020204" pitchFamily="66" charset="0"/>
-              </a:rPr>
-              <a:t>APR:   </a:t>
-            </a:r>
-            <a:r>
-              <a:rPr lang="en-GB" b="1" i="1" dirty="0" smtClean="0">
-                <a:latin typeface="Comic Sans MS" panose="030F0702030302020204" pitchFamily="66" charset="0"/>
-              </a:rPr>
-              <a:t>39.9%</a:t>
-            </a:r>
-            <a:endParaRPr lang="en-GB" b="1" i="1" dirty="0" smtClean="0">
-              <a:solidFill>
-                <a:srgbClr val="FF0000"/>
-              </a:solidFill>
-              <a:latin typeface="Comic Sans MS" panose="030F0702030302020204" pitchFamily="66" charset="0"/>
-            </a:endParaRPr>
-          </a:p>
-          <a:p>
-            <a:r>
-              <a:rPr lang="en-GB" b="1" i="1" dirty="0" smtClean="0">
-                <a:solidFill>
-                  <a:srgbClr val="FF0000"/>
-                </a:solidFill>
-                <a:latin typeface="Comic Sans MS" panose="030F0702030302020204" pitchFamily="66" charset="0"/>
-              </a:rPr>
-              <a:t> </a:t>
-            </a:r>
-          </a:p>
-          <a:p>
-            <a:r>
-              <a:rPr lang="en-GB" b="1" i="1" dirty="0" smtClean="0">
-                <a:solidFill>
-                  <a:srgbClr val="FF0000"/>
-                </a:solidFill>
-                <a:latin typeface="Comic Sans MS" panose="030F0702030302020204" pitchFamily="66" charset="0"/>
-              </a:rPr>
-              <a:t>Limit: </a:t>
-            </a:r>
-            <a:r>
-              <a:rPr lang="en-GB" b="1" i="1" dirty="0" smtClean="0">
-                <a:latin typeface="Comic Sans MS" panose="030F0702030302020204" pitchFamily="66" charset="0"/>
-              </a:rPr>
-              <a:t>£3000</a:t>
-            </a:r>
-          </a:p>
-        </p:txBody>
-      </p:sp>
       <p:pic>
         <p:nvPicPr>
-          <p:cNvPr id="2050" name="Picture 2" descr="Barclaycard Platinum credit card"/>
+          <p:cNvPr id="1026" name="Picture 2"/>
           <p:cNvPicPr>
             <a:picLocks noChangeAspect="1" noChangeArrowheads="1"/>
           </p:cNvPicPr>
           <p:nvPr/>
         </p:nvPicPr>
         <p:blipFill>
-          <a:blip r:embed="rId2" cstate="print">
-            <a:extLst>
-              <a:ext uri="{28A0092B-C50C-407E-A947-70E740481C1C}">
-                <a14:useLocalDpi xmlns:a14="http://schemas.microsoft.com/office/drawing/2010/main" val="0"/>
-              </a:ext>
-            </a:extLst>
-          </a:blip>
+          <a:blip r:embed="rId2" cstate="print"/>
           <a:srcRect/>
           <a:stretch>
             <a:fillRect/>
@@ -4083,288 +3494,27 @@
         </p:blipFill>
         <p:spPr bwMode="auto">
           <a:xfrm>
-            <a:off x="880723" y="3068960"/>
-            <a:ext cx="1370393" cy="867917"/>
+            <a:off x="0" y="0"/>
+            <a:ext cx="9144000" cy="6858000"/>
           </a:xfrm>
           <a:prstGeom prst="rect">
             <a:avLst/>
           </a:prstGeom>
           <a:noFill/>
-          <a:ln w="25400">
-            <a:solidFill>
-              <a:schemeClr val="tx1"/>
-            </a:solidFill>
+          <a:ln w="9525">
+            <a:noFill/>
+            <a:miter lim="800000"/>
+            <a:headEnd/>
+            <a:tailEnd/>
           </a:ln>
-          <a:extLst>
-            <a:ext uri="{909E8E84-426E-40DD-AFC4-6F175D3DCCD1}">
-              <a14:hiddenFill xmlns:a14="http://schemas.microsoft.com/office/drawing/2010/main">
-                <a:solidFill>
-                  <a:srgbClr val="FFFFFF"/>
-                </a:solidFill>
-              </a14:hiddenFill>
-            </a:ext>
-          </a:extLst>
+          <a:effectLst/>
         </p:spPr>
       </p:pic>
-      <p:pic>
-        <p:nvPicPr>
-          <p:cNvPr id="2052" name="Picture 4" descr="Classic Platinum"/>
-          <p:cNvPicPr>
-            <a:picLocks noChangeAspect="1" noChangeArrowheads="1"/>
-          </p:cNvPicPr>
-          <p:nvPr/>
-        </p:nvPicPr>
-        <p:blipFill>
-          <a:blip r:embed="rId3" cstate="print">
-            <a:extLst>
-              <a:ext uri="{28A0092B-C50C-407E-A947-70E740481C1C}">
-                <a14:useLocalDpi xmlns:a14="http://schemas.microsoft.com/office/drawing/2010/main" val="0"/>
-              </a:ext>
-            </a:extLst>
-          </a:blip>
-          <a:srcRect/>
-          <a:stretch>
-            <a:fillRect/>
-          </a:stretch>
-        </p:blipFill>
-        <p:spPr bwMode="auto">
-          <a:xfrm>
-            <a:off x="3710086" y="3000189"/>
-            <a:ext cx="1591974" cy="1005458"/>
-          </a:xfrm>
-          <a:prstGeom prst="rect">
-            <a:avLst/>
-          </a:prstGeom>
-          <a:noFill/>
-          <a:ln w="25400">
-            <a:noFill/>
-          </a:ln>
-          <a:extLst>
-            <a:ext uri="{909E8E84-426E-40DD-AFC4-6F175D3DCCD1}">
-              <a14:hiddenFill xmlns:a14="http://schemas.microsoft.com/office/drawing/2010/main">
-                <a:solidFill>
-                  <a:srgbClr val="FFFFFF"/>
-                </a:solidFill>
-              </a14:hiddenFill>
-            </a:ext>
-          </a:extLst>
-        </p:spPr>
-      </p:pic>
-      <p:pic>
-        <p:nvPicPr>
-          <p:cNvPr id="2054" name="Picture 6" descr="http://t3.gstatic.com/images?q=tbn:ANd9GcQtxmehf1X0m2Vto0SVOTXSii5eU9qqy_KdUxBK_cw8v7dTsDV5utd_yA">
-            <a:hlinkClick r:id="rId4"/>
-          </p:cNvPr>
-          <p:cNvPicPr>
-            <a:picLocks noChangeAspect="1" noChangeArrowheads="1"/>
-          </p:cNvPicPr>
-          <p:nvPr/>
-        </p:nvPicPr>
-        <p:blipFill>
-          <a:blip r:embed="rId5" cstate="print">
-            <a:extLst>
-              <a:ext uri="{28A0092B-C50C-407E-A947-70E740481C1C}">
-                <a14:useLocalDpi xmlns:a14="http://schemas.microsoft.com/office/drawing/2010/main" val="0"/>
-              </a:ext>
-            </a:extLst>
-          </a:blip>
-          <a:srcRect/>
-          <a:stretch>
-            <a:fillRect/>
-          </a:stretch>
-        </p:blipFill>
-        <p:spPr bwMode="auto">
-          <a:xfrm>
-            <a:off x="6875899" y="3068960"/>
-            <a:ext cx="1368866" cy="863849"/>
-          </a:xfrm>
-          <a:prstGeom prst="rect">
-            <a:avLst/>
-          </a:prstGeom>
-          <a:noFill/>
-          <a:extLst>
-            <a:ext uri="{909E8E84-426E-40DD-AFC4-6F175D3DCCD1}">
-              <a14:hiddenFill xmlns:a14="http://schemas.microsoft.com/office/drawing/2010/main">
-                <a:solidFill>
-                  <a:srgbClr val="FFFFFF"/>
-                </a:solidFill>
-              </a14:hiddenFill>
-            </a:ext>
-          </a:extLst>
-        </p:spPr>
-      </p:pic>
-      <p:sp>
-        <p:nvSpPr>
-          <p:cNvPr id="15" name="TextBox 14"/>
-          <p:cNvSpPr txBox="1"/>
-          <p:nvPr/>
-        </p:nvSpPr>
-        <p:spPr>
-          <a:xfrm>
-            <a:off x="0" y="4327198"/>
-            <a:ext cx="9144000" cy="2308324"/>
-          </a:xfrm>
-          <a:prstGeom prst="rect">
-            <a:avLst/>
-          </a:prstGeom>
-          <a:noFill/>
-        </p:spPr>
-        <p:txBody>
-          <a:bodyPr wrap="square" rtlCol="0">
-            <a:spAutoFit/>
-          </a:bodyPr>
-          <a:lstStyle/>
-          <a:p>
-            <a:pPr algn="ctr"/>
-            <a:r>
-              <a:rPr lang="en-GB" b="1" u="sng" dirty="0" smtClean="0">
-                <a:latin typeface="Comic Sans MS" panose="030F0702030302020204" pitchFamily="66" charset="0"/>
-              </a:rPr>
-              <a:t>Your task </a:t>
-            </a:r>
-          </a:p>
-          <a:p>
-            <a:endParaRPr lang="en-GB" b="1" dirty="0">
-              <a:latin typeface="Comic Sans MS" panose="030F0702030302020204" pitchFamily="66" charset="0"/>
-            </a:endParaRPr>
-          </a:p>
-          <a:p>
-            <a:r>
-              <a:rPr lang="en-GB" b="1" dirty="0" smtClean="0">
-                <a:solidFill>
-                  <a:srgbClr val="FF0000"/>
-                </a:solidFill>
-                <a:latin typeface="Comic Sans MS" panose="030F0702030302020204" pitchFamily="66" charset="0"/>
-              </a:rPr>
-              <a:t>On each credit card you have to borrow £1200 .</a:t>
-            </a:r>
-          </a:p>
-          <a:p>
-            <a:r>
-              <a:rPr lang="en-GB" b="1" dirty="0" smtClean="0">
-                <a:solidFill>
-                  <a:srgbClr val="FF0000"/>
-                </a:solidFill>
-                <a:latin typeface="Comic Sans MS" panose="030F0702030302020204" pitchFamily="66" charset="0"/>
-              </a:rPr>
-              <a:t>you need to work how much you will need to repay over: </a:t>
-            </a:r>
-          </a:p>
-          <a:p>
-            <a:pPr marL="285750" indent="-285750" algn="ctr">
-              <a:buFont typeface="Arial" panose="020B0604020202020204" pitchFamily="34" charset="0"/>
-              <a:buChar char="•"/>
-            </a:pPr>
-            <a:r>
-              <a:rPr lang="en-GB" b="1" dirty="0">
-                <a:latin typeface="Comic Sans MS" panose="030F0702030302020204" pitchFamily="66" charset="0"/>
-              </a:rPr>
-              <a:t> </a:t>
-            </a:r>
-            <a:r>
-              <a:rPr lang="en-GB" b="1" dirty="0" smtClean="0">
-                <a:latin typeface="Comic Sans MS" panose="030F0702030302020204" pitchFamily="66" charset="0"/>
-              </a:rPr>
-              <a:t>1 years</a:t>
-            </a:r>
-          </a:p>
-          <a:p>
-            <a:pPr marL="285750" indent="-285750" algn="ctr">
-              <a:buFont typeface="Arial" panose="020B0604020202020204" pitchFamily="34" charset="0"/>
-              <a:buChar char="•"/>
-            </a:pPr>
-            <a:r>
-              <a:rPr lang="en-GB" b="1" dirty="0">
-                <a:latin typeface="Comic Sans MS" panose="030F0702030302020204" pitchFamily="66" charset="0"/>
-              </a:rPr>
-              <a:t> </a:t>
-            </a:r>
-            <a:r>
-              <a:rPr lang="en-GB" b="1" dirty="0" smtClean="0">
-                <a:latin typeface="Comic Sans MS" panose="030F0702030302020204" pitchFamily="66" charset="0"/>
-              </a:rPr>
-              <a:t>3 years</a:t>
-            </a:r>
-          </a:p>
-          <a:p>
-            <a:pPr marL="285750" indent="-285750" algn="ctr">
-              <a:buFont typeface="Arial" panose="020B0604020202020204" pitchFamily="34" charset="0"/>
-              <a:buChar char="•"/>
-            </a:pPr>
-            <a:r>
-              <a:rPr lang="en-GB" b="1" dirty="0">
-                <a:latin typeface="Comic Sans MS" panose="030F0702030302020204" pitchFamily="66" charset="0"/>
-              </a:rPr>
-              <a:t> </a:t>
-            </a:r>
-            <a:r>
-              <a:rPr lang="en-GB" b="1" dirty="0" smtClean="0">
-                <a:latin typeface="Comic Sans MS" panose="030F0702030302020204" pitchFamily="66" charset="0"/>
-              </a:rPr>
-              <a:t>5 years </a:t>
-            </a:r>
-          </a:p>
-          <a:p>
-            <a:pPr algn="r"/>
-            <a:r>
-              <a:rPr lang="en-GB" b="1" dirty="0" smtClean="0">
-                <a:latin typeface="Comic Sans MS" panose="030F0702030302020204" pitchFamily="66" charset="0"/>
-              </a:rPr>
-              <a:t>(Hint remember APR!) </a:t>
-            </a:r>
-            <a:endParaRPr lang="en-GB" b="1" dirty="0">
-              <a:latin typeface="Comic Sans MS" panose="030F0702030302020204" pitchFamily="66" charset="0"/>
-            </a:endParaRPr>
-          </a:p>
-        </p:txBody>
-      </p:sp>
-      <p:sp>
-        <p:nvSpPr>
-          <p:cNvPr id="16" name="TextBox 15"/>
-          <p:cNvSpPr txBox="1"/>
-          <p:nvPr/>
-        </p:nvSpPr>
-        <p:spPr>
-          <a:xfrm>
-            <a:off x="6876256" y="4653136"/>
-            <a:ext cx="2088232" cy="830997"/>
-          </a:xfrm>
-          <a:prstGeom prst="rect">
-            <a:avLst/>
-          </a:prstGeom>
-          <a:noFill/>
-        </p:spPr>
-        <p:txBody>
-          <a:bodyPr wrap="square" rtlCol="0">
-            <a:spAutoFit/>
-          </a:bodyPr>
-          <a:lstStyle/>
-          <a:p>
-            <a:r>
-              <a:rPr lang="en-GB" sz="2400" dirty="0" smtClean="0"/>
-              <a:t>Enter Answers on Next Slide</a:t>
-            </a:r>
-            <a:endParaRPr lang="en-GB" sz="2400" dirty="0"/>
-          </a:p>
-        </p:txBody>
-      </p:sp>
     </p:spTree>
-    <p:extLst>
-      <p:ext uri="{BB962C8B-B14F-4D97-AF65-F5344CB8AC3E}">
-        <p14:creationId xmlns:p14="http://schemas.microsoft.com/office/powerpoint/2010/main" val="1406374480"/>
-      </p:ext>
-    </p:extLst>
   </p:cSld>
   <p:clrMapOvr>
     <a:masterClrMapping/>
   </p:clrMapOvr>
-  <p:timing>
-    <p:tnLst>
-      <p:par>
-        <p:cTn id="1" dur="indefinite" restart="never" nodeType="tmRoot"/>
-      </p:par>
-    </p:tnLst>
-  </p:timing>
 </p:sld>
 </file>
 
@@ -4394,7 +3544,7 @@
           <p:nvPr>
             <p:extLst>
               <p:ext uri="{D42A27DB-BD31-4B8C-83A1-F6EECF244321}">
-                <p14:modId xmlns:p14="http://schemas.microsoft.com/office/powerpoint/2010/main" val="2165614233"/>
+                <p14:modId xmlns:p14="http://schemas.microsoft.com/office/powerpoint/2010/main" xmlns="" val="2165614233"/>
               </p:ext>
             </p:extLst>
           </p:nvPr>
@@ -5233,7 +4383,7 @@
     </p:spTree>
     <p:extLst>
       <p:ext uri="{BB962C8B-B14F-4D97-AF65-F5344CB8AC3E}">
-        <p14:creationId xmlns:p14="http://schemas.microsoft.com/office/powerpoint/2010/main" val="862408573"/>
+        <p14:creationId xmlns:p14="http://schemas.microsoft.com/office/powerpoint/2010/main" xmlns="" val="862408573"/>
       </p:ext>
     </p:extLst>
   </p:cSld>
